--- a/Slide.pptx
+++ b/Slide.pptx
@@ -13347,7 +13347,7 @@
           <a:p>
             <a:fld id="{1160EA64-D806-43AC-9DF2-F8C432F32B4C}" type="datetimeFigureOut">
               <a:rPr lang="en-US" dirty="0"/>
-              <a:t>7/7/2021</a:t>
+              <a:t>1/6/2022</a:t>
             </a:fld>
             <a:endParaRPr lang="en-US" dirty="0"/>
           </a:p>
@@ -14890,7 +14890,7 @@
             </a:pPr>
             <a:r>
               <a:rPr lang="en" sz="1800" dirty="0" smtClean="0"/>
-              <a:t>NHẬP MÔN THỊ GIÁC MÁY TÍNH VÀ NÂNG CAO</a:t>
+              <a:t>XỬ LÝ ẢNH VÀ ỨNG DỤNG</a:t>
             </a:r>
             <a:r>
               <a:rPr lang="en" sz="2000" dirty="0" smtClean="0"/>
@@ -14900,12 +14900,12 @@
               <a:rPr lang="en" sz="2000" dirty="0" smtClean="0"/>
             </a:br>
             <a:r>
-              <a:rPr lang="en" sz="3200" b="1" dirty="0" smtClean="0"/>
-              <a:t>HÀM </a:t>
-            </a:r>
-            <a:r>
-              <a:rPr lang="en" sz="3200" b="1" dirty="0" smtClean="0"/>
-              <a:t>VÀ CHƯƠNG TRÌNH CON</a:t>
+              <a:rPr lang="en" sz="2800" b="1" dirty="0" smtClean="0"/>
+              <a:t>NHẬN D</a:t>
+            </a:r>
+            <a:r>
+              <a:rPr lang="en-US" sz="2800" b="1" dirty="0" smtClean="0"/>
+              <a:t>IỆN BIỂN BÁO GIAO THÔNG</a:t>
             </a:r>
             <a:r>
               <a:rPr lang="en" sz="3600" b="1" dirty="0" smtClean="0"/>
@@ -14920,11 +14920,7 @@
             </a:r>
             <a:r>
               <a:rPr lang="en" sz="1400" dirty="0" smtClean="0"/>
-              <a:t>TS Lê Minh Hưng</a:t>
-            </a:r>
-            <a:r>
-              <a:rPr lang="en" sz="1400" dirty="0" smtClean="0"/>
-              <a:t/>
+              <a:t>TS Mai Tiến Dũng</a:t>
             </a:r>
             <a:br>
               <a:rPr lang="en" sz="1400" dirty="0" smtClean="0"/>
@@ -14944,21 +14940,6 @@
             <a:r>
               <a:rPr lang="en" sz="1400" dirty="0" smtClean="0"/>
               <a:t>16521759</a:t>
-            </a:r>
-            <a:r>
-              <a:rPr lang="en" sz="1400" dirty="0"/>
-              <a:t/>
-            </a:r>
-            <a:br>
-              <a:rPr lang="en" sz="1400" dirty="0"/>
-            </a:br>
-            <a:r>
-              <a:rPr lang="en" sz="1400" dirty="0"/>
-              <a:t>SVTH: </a:t>
-            </a:r>
-            <a:r>
-              <a:rPr lang="en" sz="1400" dirty="0" smtClean="0"/>
-              <a:t>Lê Công Nghị - 16521745</a:t>
             </a:r>
             <a:endParaRPr sz="1400" dirty="0"/>
           </a:p>
@@ -20599,9 +20580,6 @@
               </a:rPr>
               <a:t>.</a:t>
             </a:r>
-            <a:endParaRPr lang="en-US" sz="2000" dirty="0">
-              <a:latin typeface="Barlow Light" panose="020B0604020202020204" charset="0"/>
-            </a:endParaRPr>
           </a:p>
         </p:txBody>
       </p:sp>

--- a/Slide.pptx
+++ b/Slide.pptx
@@ -14916,22 +14916,14 @@
             </a:br>
             <a:r>
               <a:rPr lang="en" sz="1400" dirty="0" smtClean="0"/>
-              <a:t>GVTH: </a:t>
-            </a:r>
-            <a:r>
-              <a:rPr lang="en" sz="1400" dirty="0" smtClean="0"/>
-              <a:t>TS Mai Tiến Dũng</a:t>
+              <a:t>GVTH: TS Mai Tiến Dũng</a:t>
             </a:r>
             <a:br>
               <a:rPr lang="en" sz="1400" dirty="0" smtClean="0"/>
             </a:br>
             <a:r>
               <a:rPr lang="en" sz="1400" dirty="0" smtClean="0"/>
-              <a:t>SVTH</a:t>
-            </a:r>
-            <a:r>
-              <a:rPr lang="en" sz="1400" dirty="0" smtClean="0"/>
-              <a:t>: Trương Văn Nhất </a:t>
+              <a:t>SVTH: Trương Văn Nhất </a:t>
             </a:r>
             <a:r>
               <a:rPr lang="en" sz="1400" dirty="0"/>
@@ -19753,16 +19745,10 @@
               <a:buNone/>
             </a:pPr>
             <a:r>
-              <a:rPr lang="en-US" sz="2000" dirty="0" err="1">
-                <a:latin typeface="Barlow Light" panose="020B0604020202020204" charset="0"/>
-              </a:rPr>
-              <a:t>Mô</a:t>
-            </a:r>
-            <a:r>
               <a:rPr lang="en-US" sz="2000" dirty="0">
                 <a:latin typeface="Barlow Light" panose="020B0604020202020204" charset="0"/>
               </a:rPr>
-              <a:t> </a:t>
+              <a:t>Mô </a:t>
             </a:r>
             <a:r>
               <a:rPr lang="en-US" sz="2000" dirty="0" err="1">
@@ -19774,57 +19760,53 @@
               <a:rPr lang="en-US" sz="2000" dirty="0">
                 <a:latin typeface="Barlow Light" panose="020B0604020202020204" charset="0"/>
               </a:rPr>
-              <a:t> </a:t>
-            </a:r>
-            <a:r>
-              <a:rPr lang="en-US" sz="2000" dirty="0" err="1">
+              <a:t> bài </a:t>
+            </a:r>
+            <a:r>
+              <a:rPr lang="en-US" sz="2000" dirty="0" err="1" smtClean="0">
                 <a:latin typeface="Barlow Light" panose="020B0604020202020204" charset="0"/>
               </a:rPr>
-              <a:t>bài</a:t>
+              <a:t>toán</a:t>
+            </a:r>
+            <a:r>
+              <a:rPr lang="en-US" sz="2000" dirty="0" smtClean="0">
+                <a:latin typeface="Barlow Light" panose="020B0604020202020204" charset="0"/>
+              </a:rPr>
+              <a:t>:</a:t>
+            </a:r>
+          </a:p>
+          <a:p>
+            <a:r>
+              <a:rPr lang="en-US" sz="2000" dirty="0" smtClean="0">
+                <a:latin typeface="Barlow Light" panose="020B0604020202020204" charset="0"/>
+              </a:rPr>
+              <a:t>Input là một </a:t>
+            </a:r>
+            <a:r>
+              <a:rPr lang="en-US" sz="2000" dirty="0" err="1" smtClean="0">
+                <a:latin typeface="Barlow Light" panose="020B0604020202020204" charset="0"/>
+              </a:rPr>
+              <a:t>biển</a:t>
+            </a:r>
+            <a:r>
+              <a:rPr lang="en-US" sz="2000" dirty="0" smtClean="0">
+                <a:latin typeface="Barlow Light" panose="020B0604020202020204" charset="0"/>
+              </a:rPr>
+              <a:t> báo giao thông</a:t>
+            </a:r>
+          </a:p>
+          <a:p>
+            <a:r>
+              <a:rPr lang="en-US" sz="2000" dirty="0" smtClean="0">
+                <a:latin typeface="Barlow Light" panose="020B0604020202020204" charset="0"/>
+              </a:rPr>
+              <a:t>Output </a:t>
             </a:r>
             <a:r>
               <a:rPr lang="en-US" sz="2000" dirty="0">
                 <a:latin typeface="Barlow Light" panose="020B0604020202020204" charset="0"/>
               </a:rPr>
-              <a:t> </a:t>
-            </a:r>
-            <a:r>
-              <a:rPr lang="en-US" sz="2000" dirty="0" err="1">
-                <a:latin typeface="Barlow Light" panose="020B0604020202020204" charset="0"/>
-              </a:rPr>
-              <a:t>toán</a:t>
-            </a:r>
-            <a:r>
-              <a:rPr lang="en-US" sz="2000" dirty="0">
-                <a:latin typeface="Barlow Light" panose="020B0604020202020204" charset="0"/>
-              </a:rPr>
-              <a:t>:</a:t>
-            </a:r>
-          </a:p>
-          <a:p>
-            <a:r>
-              <a:rPr lang="en-US" sz="2000" dirty="0" err="1">
-                <a:latin typeface="Barlow Light" panose="020B0604020202020204" charset="0"/>
-              </a:rPr>
-              <a:t>Nhận</a:t>
-            </a:r>
-            <a:r>
-              <a:rPr lang="en-US" sz="2000" dirty="0">
-                <a:latin typeface="Barlow Light" panose="020B0604020202020204" charset="0"/>
-              </a:rPr>
-              <a:t> </a:t>
-            </a:r>
-            <a:r>
-              <a:rPr lang="en-US" sz="2000" dirty="0" err="1">
-                <a:latin typeface="Barlow Light" panose="020B0604020202020204" charset="0"/>
-              </a:rPr>
-              <a:t>diện</a:t>
-            </a:r>
-            <a:r>
-              <a:rPr lang="en-US" sz="2000" dirty="0">
-                <a:latin typeface="Barlow Light" panose="020B0604020202020204" charset="0"/>
-              </a:rPr>
-              <a:t> </a:t>
+              <a:t>là tên </a:t>
             </a:r>
             <a:r>
               <a:rPr lang="en-US" sz="2000" dirty="0" err="1">
@@ -19836,314 +19818,7 @@
               <a:rPr lang="en-US" sz="2000" dirty="0">
                 <a:latin typeface="Barlow Light" panose="020B0604020202020204" charset="0"/>
               </a:rPr>
-              <a:t> </a:t>
-            </a:r>
-            <a:r>
-              <a:rPr lang="en-US" sz="2000" dirty="0" err="1">
-                <a:latin typeface="Barlow Light" panose="020B0604020202020204" charset="0"/>
-              </a:rPr>
-              <a:t>báo</a:t>
-            </a:r>
-            <a:r>
-              <a:rPr lang="en-US" sz="2000" dirty="0">
-                <a:latin typeface="Barlow Light" panose="020B0604020202020204" charset="0"/>
-              </a:rPr>
-              <a:t> </a:t>
-            </a:r>
-            <a:r>
-              <a:rPr lang="en-US" sz="2000" dirty="0" err="1">
-                <a:latin typeface="Barlow Light" panose="020B0604020202020204" charset="0"/>
-              </a:rPr>
-              <a:t>giao</a:t>
-            </a:r>
-            <a:r>
-              <a:rPr lang="en-US" sz="2000" dirty="0">
-                <a:latin typeface="Barlow Light" panose="020B0604020202020204" charset="0"/>
-              </a:rPr>
-              <a:t> </a:t>
-            </a:r>
-            <a:r>
-              <a:rPr lang="en-US" sz="2000" dirty="0" err="1">
-                <a:latin typeface="Barlow Light" panose="020B0604020202020204" charset="0"/>
-              </a:rPr>
-              <a:t>thông</a:t>
-            </a:r>
-            <a:r>
-              <a:rPr lang="en-US" sz="2000" dirty="0">
-                <a:latin typeface="Barlow Light" panose="020B0604020202020204" charset="0"/>
-              </a:rPr>
-              <a:t> </a:t>
-            </a:r>
-            <a:r>
-              <a:rPr lang="en-US" sz="2000" dirty="0" err="1">
-                <a:latin typeface="Barlow Light" panose="020B0604020202020204" charset="0"/>
-              </a:rPr>
-              <a:t>là</a:t>
-            </a:r>
-            <a:r>
-              <a:rPr lang="en-US" sz="2000" dirty="0">
-                <a:latin typeface="Barlow Light" panose="020B0604020202020204" charset="0"/>
-              </a:rPr>
-              <a:t> </a:t>
-            </a:r>
-            <a:r>
-              <a:rPr lang="en-US" sz="2000" dirty="0" err="1">
-                <a:latin typeface="Barlow Light" panose="020B0604020202020204" charset="0"/>
-              </a:rPr>
-              <a:t>một</a:t>
-            </a:r>
-            <a:r>
-              <a:rPr lang="en-US" sz="2000" dirty="0">
-                <a:latin typeface="Barlow Light" panose="020B0604020202020204" charset="0"/>
-              </a:rPr>
-              <a:t> </a:t>
-            </a:r>
-            <a:r>
-              <a:rPr lang="en-US" sz="2000" dirty="0" err="1">
-                <a:latin typeface="Barlow Light" panose="020B0604020202020204" charset="0"/>
-              </a:rPr>
-              <a:t>bài</a:t>
-            </a:r>
-            <a:r>
-              <a:rPr lang="en-US" sz="2000" dirty="0">
-                <a:latin typeface="Barlow Light" panose="020B0604020202020204" charset="0"/>
-              </a:rPr>
-              <a:t> </a:t>
-            </a:r>
-            <a:r>
-              <a:rPr lang="en-US" sz="2000" dirty="0" err="1">
-                <a:latin typeface="Barlow Light" panose="020B0604020202020204" charset="0"/>
-              </a:rPr>
-              <a:t>toán</a:t>
-            </a:r>
-            <a:r>
-              <a:rPr lang="en-US" sz="2000" dirty="0">
-                <a:latin typeface="Barlow Light" panose="020B0604020202020204" charset="0"/>
-              </a:rPr>
-              <a:t> </a:t>
-            </a:r>
-            <a:r>
-              <a:rPr lang="en-US" sz="2000" dirty="0" err="1">
-                <a:latin typeface="Barlow Light" panose="020B0604020202020204" charset="0"/>
-              </a:rPr>
-              <a:t>nhận</a:t>
-            </a:r>
-            <a:r>
-              <a:rPr lang="en-US" sz="2000" dirty="0">
-                <a:latin typeface="Barlow Light" panose="020B0604020202020204" charset="0"/>
-              </a:rPr>
-              <a:t> </a:t>
-            </a:r>
-            <a:r>
-              <a:rPr lang="en-US" sz="2000" dirty="0" err="1">
-                <a:latin typeface="Barlow Light" panose="020B0604020202020204" charset="0"/>
-              </a:rPr>
-              <a:t>dạng</a:t>
-            </a:r>
-            <a:r>
-              <a:rPr lang="en-US" sz="2000" dirty="0">
-                <a:latin typeface="Barlow Light" panose="020B0604020202020204" charset="0"/>
-              </a:rPr>
-              <a:t> </a:t>
-            </a:r>
-            <a:r>
-              <a:rPr lang="en-US" sz="2000" dirty="0" err="1">
-                <a:latin typeface="Barlow Light" panose="020B0604020202020204" charset="0"/>
-              </a:rPr>
-              <a:t>sử</a:t>
-            </a:r>
-            <a:r>
-              <a:rPr lang="en-US" sz="2000" dirty="0">
-                <a:latin typeface="Barlow Light" panose="020B0604020202020204" charset="0"/>
-              </a:rPr>
-              <a:t> </a:t>
-            </a:r>
-            <a:r>
-              <a:rPr lang="en-US" sz="2000" dirty="0" err="1">
-                <a:latin typeface="Barlow Light" panose="020B0604020202020204" charset="0"/>
-              </a:rPr>
-              <a:t>dụng</a:t>
-            </a:r>
-            <a:r>
-              <a:rPr lang="en-US" sz="2000" dirty="0">
-                <a:latin typeface="Barlow Light" panose="020B0604020202020204" charset="0"/>
-              </a:rPr>
-              <a:t> Deep Learning</a:t>
-            </a:r>
-          </a:p>
-          <a:p>
-            <a:r>
-              <a:rPr lang="en-US" sz="2000" dirty="0">
-                <a:latin typeface="Barlow Light" panose="020B0604020202020204" charset="0"/>
-              </a:rPr>
-              <a:t>Input </a:t>
-            </a:r>
-            <a:r>
-              <a:rPr lang="en-US" sz="2000" dirty="0" err="1">
-                <a:latin typeface="Barlow Light" panose="020B0604020202020204" charset="0"/>
-              </a:rPr>
-              <a:t>là</a:t>
-            </a:r>
-            <a:r>
-              <a:rPr lang="en-US" sz="2000" dirty="0">
-                <a:latin typeface="Barlow Light" panose="020B0604020202020204" charset="0"/>
-              </a:rPr>
-              <a:t> </a:t>
-            </a:r>
-            <a:r>
-              <a:rPr lang="en-US" sz="2000" dirty="0" err="1">
-                <a:latin typeface="Barlow Light" panose="020B0604020202020204" charset="0"/>
-              </a:rPr>
-              <a:t>một</a:t>
-            </a:r>
-            <a:r>
-              <a:rPr lang="en-US" sz="2000" dirty="0">
-                <a:latin typeface="Barlow Light" panose="020B0604020202020204" charset="0"/>
-              </a:rPr>
-              <a:t> </a:t>
-            </a:r>
-            <a:r>
-              <a:rPr lang="en-US" sz="2000" dirty="0" err="1">
-                <a:latin typeface="Barlow Light" panose="020B0604020202020204" charset="0"/>
-              </a:rPr>
-              <a:t>biển</a:t>
-            </a:r>
-            <a:r>
-              <a:rPr lang="en-US" sz="2000" dirty="0">
-                <a:latin typeface="Barlow Light" panose="020B0604020202020204" charset="0"/>
-              </a:rPr>
-              <a:t> </a:t>
-            </a:r>
-            <a:r>
-              <a:rPr lang="en-US" sz="2000" dirty="0" err="1">
-                <a:latin typeface="Barlow Light" panose="020B0604020202020204" charset="0"/>
-              </a:rPr>
-              <a:t>báo</a:t>
-            </a:r>
-            <a:r>
-              <a:rPr lang="en-US" sz="2000" dirty="0">
-                <a:latin typeface="Barlow Light" panose="020B0604020202020204" charset="0"/>
-              </a:rPr>
-              <a:t> </a:t>
-            </a:r>
-            <a:r>
-              <a:rPr lang="en-US" sz="2000" dirty="0" err="1">
-                <a:latin typeface="Barlow Light" panose="020B0604020202020204" charset="0"/>
-              </a:rPr>
-              <a:t>giao</a:t>
-            </a:r>
-            <a:r>
-              <a:rPr lang="en-US" sz="2000" dirty="0">
-                <a:latin typeface="Barlow Light" panose="020B0604020202020204" charset="0"/>
-              </a:rPr>
-              <a:t> </a:t>
-            </a:r>
-            <a:r>
-              <a:rPr lang="en-US" sz="2000" dirty="0" err="1">
-                <a:latin typeface="Barlow Light" panose="020B0604020202020204" charset="0"/>
-              </a:rPr>
-              <a:t>thông</a:t>
-            </a:r>
-            <a:endParaRPr lang="en-US" sz="2000" dirty="0">
-              <a:latin typeface="Barlow Light" panose="020B0604020202020204" charset="0"/>
-            </a:endParaRPr>
-          </a:p>
-          <a:p>
-            <a:r>
-              <a:rPr lang="en-US" sz="2000" dirty="0">
-                <a:latin typeface="Barlow Light" panose="020B0604020202020204" charset="0"/>
-              </a:rPr>
-              <a:t>Output </a:t>
-            </a:r>
-            <a:r>
-              <a:rPr lang="en-US" sz="2000" dirty="0" err="1">
-                <a:latin typeface="Barlow Light" panose="020B0604020202020204" charset="0"/>
-              </a:rPr>
-              <a:t>là</a:t>
-            </a:r>
-            <a:r>
-              <a:rPr lang="en-US" sz="2000" dirty="0">
-                <a:latin typeface="Barlow Light" panose="020B0604020202020204" charset="0"/>
-              </a:rPr>
-              <a:t> </a:t>
-            </a:r>
-            <a:r>
-              <a:rPr lang="en-US" sz="2000" dirty="0" err="1">
-                <a:latin typeface="Barlow Light" panose="020B0604020202020204" charset="0"/>
-              </a:rPr>
-              <a:t>tên</a:t>
-            </a:r>
-            <a:r>
-              <a:rPr lang="en-US" sz="2000" dirty="0">
-                <a:latin typeface="Barlow Light" panose="020B0604020202020204" charset="0"/>
-              </a:rPr>
-              <a:t> </a:t>
-            </a:r>
-            <a:r>
-              <a:rPr lang="en-US" sz="2000" dirty="0" err="1">
-                <a:latin typeface="Barlow Light" panose="020B0604020202020204" charset="0"/>
-              </a:rPr>
-              <a:t>biển</a:t>
-            </a:r>
-            <a:r>
-              <a:rPr lang="en-US" sz="2000" dirty="0">
-                <a:latin typeface="Barlow Light" panose="020B0604020202020204" charset="0"/>
-              </a:rPr>
-              <a:t> </a:t>
-            </a:r>
-            <a:r>
-              <a:rPr lang="en-US" sz="2000" dirty="0" err="1">
-                <a:latin typeface="Barlow Light" panose="020B0604020202020204" charset="0"/>
-              </a:rPr>
-              <a:t>báo</a:t>
-            </a:r>
-            <a:r>
-              <a:rPr lang="en-US" sz="2000" dirty="0">
-                <a:latin typeface="Barlow Light" panose="020B0604020202020204" charset="0"/>
-              </a:rPr>
-              <a:t> </a:t>
-            </a:r>
-            <a:r>
-              <a:rPr lang="en-US" sz="2000" dirty="0" err="1">
-                <a:latin typeface="Barlow Light" panose="020B0604020202020204" charset="0"/>
-              </a:rPr>
-              <a:t>và</a:t>
-            </a:r>
-            <a:r>
-              <a:rPr lang="en-US" sz="2000" dirty="0">
-                <a:latin typeface="Barlow Light" panose="020B0604020202020204" charset="0"/>
-              </a:rPr>
-              <a:t> </a:t>
-            </a:r>
-            <a:r>
-              <a:rPr lang="en-US" sz="2000" dirty="0" err="1">
-                <a:latin typeface="Barlow Light" panose="020B0604020202020204" charset="0"/>
-              </a:rPr>
-              <a:t>thông</a:t>
-            </a:r>
-            <a:r>
-              <a:rPr lang="en-US" sz="2000" dirty="0">
-                <a:latin typeface="Barlow Light" panose="020B0604020202020204" charset="0"/>
-              </a:rPr>
-              <a:t> tin </a:t>
-            </a:r>
-            <a:r>
-              <a:rPr lang="en-US" sz="2000" dirty="0" err="1">
-                <a:latin typeface="Barlow Light" panose="020B0604020202020204" charset="0"/>
-              </a:rPr>
-              <a:t>của</a:t>
-            </a:r>
-            <a:r>
-              <a:rPr lang="en-US" sz="2000" dirty="0">
-                <a:latin typeface="Barlow Light" panose="020B0604020202020204" charset="0"/>
-              </a:rPr>
-              <a:t> </a:t>
-            </a:r>
-            <a:r>
-              <a:rPr lang="en-US" sz="2000" dirty="0" err="1">
-                <a:latin typeface="Barlow Light" panose="020B0604020202020204" charset="0"/>
-              </a:rPr>
-              <a:t>nó</a:t>
+              <a:t> báo và thông tin của nó</a:t>
             </a:r>
             <a:endParaRPr lang="vi-VN" sz="2000" dirty="0">
               <a:latin typeface="Barlow Light" panose="020B0604020202020204" charset="0"/>
@@ -21246,11 +20921,27 @@
             </a:r>
             <a:r>
               <a:rPr lang="en-US" dirty="0"/>
-              <a:t> </a:t>
+              <a:t> bộ dữ </a:t>
             </a:r>
             <a:r>
               <a:rPr lang="en-US" dirty="0" err="1"/>
-              <a:t>bộ</a:t>
+              <a:t>liệu</a:t>
+            </a:r>
+            <a:r>
+              <a:rPr lang="en-US" dirty="0"/>
+              <a:t> GTSRB- German Traffic Sign Recognition Benchmark </a:t>
+            </a:r>
+            <a:r>
+              <a:rPr lang="en-US" dirty="0" err="1"/>
+              <a:t>gồm</a:t>
+            </a:r>
+            <a:r>
+              <a:rPr lang="en-US" dirty="0"/>
+              <a:t> 42 </a:t>
+            </a:r>
+            <a:r>
+              <a:rPr lang="en-US" dirty="0" err="1"/>
+              <a:t>loại</a:t>
             </a:r>
             <a:r>
               <a:rPr lang="en-US" dirty="0"/>
@@ -21258,7 +20949,63 @@
             </a:r>
             <a:r>
               <a:rPr lang="en-US" dirty="0" err="1"/>
-              <a:t>dữ</a:t>
+              <a:t>biển</a:t>
+            </a:r>
+            <a:r>
+              <a:rPr lang="en-US" dirty="0"/>
+              <a:t> báo của </a:t>
+            </a:r>
+            <a:r>
+              <a:rPr lang="en-US" dirty="0" err="1"/>
+              <a:t>Đức</a:t>
+            </a:r>
+            <a:r>
+              <a:rPr lang="en-US" dirty="0"/>
+              <a:t>. </a:t>
+            </a:r>
+            <a:r>
+              <a:rPr lang="en-US" dirty="0" smtClean="0"/>
+              <a:t>Nhưng </a:t>
+            </a:r>
+            <a:r>
+              <a:rPr lang="en-US" dirty="0"/>
+              <a:t>trong </a:t>
+            </a:r>
+            <a:r>
+              <a:rPr lang="en-US" dirty="0" smtClean="0"/>
+              <a:t>quá </a:t>
+            </a:r>
+            <a:r>
+              <a:rPr lang="en-US" dirty="0"/>
+              <a:t>trình làm </a:t>
+            </a:r>
+            <a:r>
+              <a:rPr lang="en-US" dirty="0" err="1"/>
+              <a:t>nhóm</a:t>
+            </a:r>
+            <a:r>
+              <a:rPr lang="en-US" dirty="0"/>
+              <a:t> chỉ </a:t>
+            </a:r>
+            <a:r>
+              <a:rPr lang="en-US" dirty="0" err="1"/>
+              <a:t>cho</a:t>
+            </a:r>
+            <a:r>
+              <a:rPr lang="en-US" dirty="0"/>
+              <a:t> nhận </a:t>
+            </a:r>
+            <a:r>
+              <a:rPr lang="en-US" dirty="0" err="1"/>
+              <a:t>dạng</a:t>
+            </a:r>
+            <a:r>
+              <a:rPr lang="en-US" dirty="0"/>
+              <a:t> 4 </a:t>
+            </a:r>
+            <a:r>
+              <a:rPr lang="en-US" dirty="0" err="1"/>
+              <a:t>loại</a:t>
             </a:r>
             <a:r>
               <a:rPr lang="en-US" dirty="0"/>
@@ -21266,179 +21013,11 @@
             </a:r>
             <a:r>
               <a:rPr lang="en-US" dirty="0" err="1"/>
-              <a:t>liệu</a:t>
+              <a:t>biển</a:t>
             </a:r>
             <a:r>
               <a:rPr lang="en-US" dirty="0"/>
-              <a:t> GTSRB- German Traffic Sign Recognition Benchmark </a:t>
-            </a:r>
-            <a:r>
-              <a:rPr lang="en-US" dirty="0" err="1"/>
-              <a:t>gồm</a:t>
-            </a:r>
-            <a:r>
-              <a:rPr lang="en-US" dirty="0"/>
-              <a:t> 42 </a:t>
-            </a:r>
-            <a:r>
-              <a:rPr lang="en-US" dirty="0" err="1"/>
-              <a:t>loại</a:t>
-            </a:r>
-            <a:r>
-              <a:rPr lang="en-US" dirty="0"/>
-              <a:t> </a:t>
-            </a:r>
-            <a:r>
-              <a:rPr lang="en-US" dirty="0" err="1"/>
-              <a:t>biển</a:t>
-            </a:r>
-            <a:r>
-              <a:rPr lang="en-US" dirty="0"/>
-              <a:t> </a:t>
-            </a:r>
-            <a:r>
-              <a:rPr lang="en-US" dirty="0" err="1"/>
-              <a:t>báo</a:t>
-            </a:r>
-            <a:r>
-              <a:rPr lang="en-US" dirty="0"/>
-              <a:t> </a:t>
-            </a:r>
-            <a:r>
-              <a:rPr lang="en-US" dirty="0" err="1"/>
-              <a:t>của</a:t>
-            </a:r>
-            <a:r>
-              <a:rPr lang="en-US" dirty="0"/>
-              <a:t> </a:t>
-            </a:r>
-            <a:r>
-              <a:rPr lang="en-US" dirty="0" err="1"/>
-              <a:t>Đức</a:t>
-            </a:r>
-            <a:r>
-              <a:rPr lang="en-US" dirty="0"/>
-              <a:t>. </a:t>
-            </a:r>
-            <a:r>
-              <a:rPr lang="en-US" dirty="0" err="1" smtClean="0"/>
-              <a:t>Nhưnng</a:t>
-            </a:r>
-            <a:r>
-              <a:rPr lang="en-US" dirty="0" smtClean="0"/>
-              <a:t> </a:t>
-            </a:r>
-            <a:r>
-              <a:rPr lang="en-US" dirty="0" err="1"/>
-              <a:t>trong</a:t>
-            </a:r>
-            <a:r>
-              <a:rPr lang="en-US" dirty="0"/>
-              <a:t> </a:t>
-            </a:r>
-            <a:r>
-              <a:rPr lang="en-US" dirty="0" err="1" smtClean="0"/>
-              <a:t>quá</a:t>
-            </a:r>
-            <a:r>
-              <a:rPr lang="en-US" dirty="0" smtClean="0"/>
-              <a:t> </a:t>
-            </a:r>
-            <a:r>
-              <a:rPr lang="en-US" dirty="0" err="1"/>
-              <a:t>trình</a:t>
-            </a:r>
-            <a:r>
-              <a:rPr lang="en-US" dirty="0"/>
-              <a:t> </a:t>
-            </a:r>
-            <a:r>
-              <a:rPr lang="en-US" dirty="0" err="1"/>
-              <a:t>làm</a:t>
-            </a:r>
-            <a:r>
-              <a:rPr lang="en-US" dirty="0"/>
-              <a:t> </a:t>
-            </a:r>
-            <a:r>
-              <a:rPr lang="en-US" dirty="0" err="1"/>
-              <a:t>nhóm</a:t>
-            </a:r>
-            <a:r>
-              <a:rPr lang="en-US" dirty="0"/>
-              <a:t> </a:t>
-            </a:r>
-            <a:r>
-              <a:rPr lang="en-US" dirty="0" err="1"/>
-              <a:t>chỉ</a:t>
-            </a:r>
-            <a:r>
-              <a:rPr lang="en-US" dirty="0"/>
-              <a:t> </a:t>
-            </a:r>
-            <a:r>
-              <a:rPr lang="en-US" dirty="0" err="1"/>
-              <a:t>cho</a:t>
-            </a:r>
-            <a:r>
-              <a:rPr lang="en-US" dirty="0"/>
-              <a:t> </a:t>
-            </a:r>
-            <a:r>
-              <a:rPr lang="en-US" dirty="0" err="1"/>
-              <a:t>nhận</a:t>
-            </a:r>
-            <a:r>
-              <a:rPr lang="en-US" dirty="0"/>
-              <a:t> </a:t>
-            </a:r>
-            <a:r>
-              <a:rPr lang="en-US" dirty="0" err="1"/>
-              <a:t>dạng</a:t>
-            </a:r>
-            <a:r>
-              <a:rPr lang="en-US" dirty="0"/>
-              <a:t> 4 </a:t>
-            </a:r>
-            <a:r>
-              <a:rPr lang="en-US" dirty="0" err="1"/>
-              <a:t>loại</a:t>
-            </a:r>
-            <a:r>
-              <a:rPr lang="en-US" dirty="0"/>
-              <a:t> </a:t>
-            </a:r>
-            <a:r>
-              <a:rPr lang="en-US" dirty="0" err="1"/>
-              <a:t>biển</a:t>
-            </a:r>
-            <a:r>
-              <a:rPr lang="en-US" dirty="0"/>
-              <a:t> </a:t>
-            </a:r>
-            <a:r>
-              <a:rPr lang="en-US" dirty="0" err="1"/>
-              <a:t>báo</a:t>
-            </a:r>
-            <a:r>
-              <a:rPr lang="en-US" dirty="0"/>
-              <a:t> </a:t>
-            </a:r>
-            <a:r>
-              <a:rPr lang="en-US" dirty="0" err="1"/>
-              <a:t>đó</a:t>
-            </a:r>
-            <a:r>
-              <a:rPr lang="en-US" dirty="0"/>
-              <a:t> </a:t>
-            </a:r>
-            <a:r>
-              <a:rPr lang="en-US" dirty="0" err="1"/>
-              <a:t>là</a:t>
-            </a:r>
-            <a:r>
-              <a:rPr lang="en-US" dirty="0"/>
-              <a:t>: </a:t>
+              <a:t> báo đó là: </a:t>
             </a:r>
             <a:endParaRPr lang="en-US" dirty="0" smtClean="0"/>
           </a:p>
